--- a/Posters/2024-math-conference-group-poster-template.pptx
+++ b/Posters/2024-math-conference-group-poster-template.pptx
@@ -533,7 +533,7 @@
               <a:pPr>
                 <a:defRPr/>
               </a:pPr>
-              <a:t>7/12/24</a:t>
+              <a:t>7/15/24</a:t>
             </a:fld>
             <a:endParaRPr lang="en-US"/>
           </a:p>
@@ -12504,7 +12504,7 @@
         <p:spPr>
           <a:xfrm>
             <a:off x="22666571" y="22813069"/>
-            <a:ext cx="13185365" cy="9283687"/>
+            <a:ext cx="12597863" cy="9283687"/>
           </a:xfrm>
           <a:prstGeom prst="rect">
             <a:avLst/>
@@ -12684,7 +12684,7 @@
                 <a:cs typeface="Helvetica Neue"/>
                 <a:sym typeface="Helvetica Neue"/>
               </a:rPr>
-              <a:t>) and dorsal lateral striatum (DLS). Dopaminergic projections from the ventral tegmental area highly modulates the activity of the </a:t>
+              <a:t>) and dorsal lateral striatum (DLS). Dopaminergic projections from the ventral tegmental area modulates the activity of the </a:t>
             </a:r>
             <a:r>
               <a:rPr lang="en-US" dirty="0" err="1">
@@ -13216,6 +13216,51 @@
           <a:prstGeom prst="rect">
             <a:avLst/>
           </a:prstGeom>
+        </p:spPr>
+      </p:pic>
+      <p:pic>
+        <p:nvPicPr>
+          <p:cNvPr id="1026" name="Picture 2">
+            <a:extLst>
+              <a:ext uri="{FF2B5EF4-FFF2-40B4-BE49-F238E27FC236}">
+                <a16:creationId xmlns:a16="http://schemas.microsoft.com/office/drawing/2014/main" id="{26C23FA6-2DCD-B26D-A00F-A867ED17FB37}"/>
+              </a:ext>
+            </a:extLst>
+          </p:cNvPr>
+          <p:cNvPicPr>
+            <a:picLocks noChangeAspect="1" noChangeArrowheads="1"/>
+          </p:cNvPicPr>
+          <p:nvPr/>
+        </p:nvPicPr>
+        <p:blipFill rotWithShape="1">
+          <a:blip r:embed="rId8">
+            <a:extLst>
+              <a:ext uri="{28A0092B-C50C-407E-A947-70E740481C1C}">
+                <a14:useLocalDpi xmlns:a14="http://schemas.microsoft.com/office/drawing/2010/main" val="0"/>
+              </a:ext>
+            </a:extLst>
+          </a:blip>
+          <a:srcRect l="25545" t="31500"/>
+          <a:stretch/>
+        </p:blipFill>
+        <p:spPr bwMode="auto">
+          <a:xfrm>
+            <a:off x="35428801" y="22959369"/>
+            <a:ext cx="6956922" cy="6809431"/>
+          </a:xfrm>
+          <a:prstGeom prst="rect">
+            <a:avLst/>
+          </a:prstGeom>
+          <a:noFill/>
+          <a:extLst>
+            <a:ext uri="{909E8E84-426E-40DD-AFC4-6F175D3DCCD1}">
+              <a14:hiddenFill xmlns:a14="http://schemas.microsoft.com/office/drawing/2010/main">
+                <a:solidFill>
+                  <a:srgbClr val="FFFFFF"/>
+                </a:solidFill>
+              </a14:hiddenFill>
+            </a:ext>
+          </a:extLst>
         </p:spPr>
       </p:pic>
     </p:spTree>

--- a/Posters/2024-math-conference-group-poster-template.pptx
+++ b/Posters/2024-math-conference-group-poster-template.pptx
@@ -533,7 +533,7 @@
               <a:pPr>
                 <a:defRPr/>
               </a:pPr>
-              <a:t>7/15/24</a:t>
+              <a:t>7/16/24</a:t>
             </a:fld>
             <a:endParaRPr lang="en-US"/>
           </a:p>
@@ -12504,7 +12504,7 @@
         <p:spPr>
           <a:xfrm>
             <a:off x="22666571" y="22813069"/>
-            <a:ext cx="12597863" cy="9283687"/>
+            <a:ext cx="13376029" cy="9283687"/>
           </a:xfrm>
           <a:prstGeom prst="rect">
             <a:avLst/>
@@ -12596,7 +12596,7 @@
                 <a:cs typeface="Helvetica Neue"/>
                 <a:sym typeface="Helvetica Neue"/>
               </a:rPr>
-              <a:t>1) To develop a computational model of the neuropathways involved in binge drinking and 2) to better understand ____ [fill in later when we have a better idea of what we’re studying]</a:t>
+              <a:t>1) To develop a computational model of the neuropathways involved in binge drinking and 2) to better understand how disruption in neural activity alter drinking patterns.</a:t>
             </a:r>
           </a:p>
           <a:p>
@@ -12636,7 +12636,31 @@
                 <a:cs typeface="Helvetica Neue"/>
                 <a:sym typeface="Helvetica Neue"/>
               </a:rPr>
-              <a:t>The state of an individual modulates the activity of the prefrontal cortex (PFC) and the Insular Cortex (IC). These cortical structures send glutamatergic projections to the nucleus </a:t>
+              <a:t>The state of an individual modulates the activity of the medial prefrontal cortex (</a:t>
+            </a:r>
+            <a:r>
+              <a:rPr lang="en-US" dirty="0" err="1">
+                <a:solidFill>
+                  <a:schemeClr val="dk1"/>
+                </a:solidFill>
+                <a:latin typeface="Helvetica Neue"/>
+                <a:ea typeface="Helvetica Neue"/>
+                <a:cs typeface="Helvetica Neue"/>
+                <a:sym typeface="Helvetica Neue"/>
+              </a:rPr>
+              <a:t>mPFC</a:t>
+            </a:r>
+            <a:r>
+              <a:rPr lang="en-US" dirty="0">
+                <a:solidFill>
+                  <a:schemeClr val="dk1"/>
+                </a:solidFill>
+                <a:latin typeface="Helvetica Neue"/>
+                <a:ea typeface="Helvetica Neue"/>
+                <a:cs typeface="Helvetica Neue"/>
+                <a:sym typeface="Helvetica Neue"/>
+              </a:rPr>
+              <a:t>) and the insular cortex (IC). These cortical structures send glutamatergic projections to the nucleus </a:t>
             </a:r>
             <a:r>
               <a:rPr lang="en-US" dirty="0" err="1">
@@ -12684,7 +12708,7 @@
                 <a:cs typeface="Helvetica Neue"/>
                 <a:sym typeface="Helvetica Neue"/>
               </a:rPr>
-              <a:t>) and dorsal lateral striatum (DLS). Dopaminergic projections from the ventral tegmental area modulates the activity of the </a:t>
+              <a:t>), which drives vigor. Dopaminergic projections from the ventral tegmental area modulates the activity of the </a:t>
             </a:r>
             <a:r>
               <a:rPr lang="en-US" dirty="0" err="1">
@@ -12708,7 +12732,7 @@
                 <a:cs typeface="Helvetica Neue"/>
                 <a:sym typeface="Helvetica Neue"/>
               </a:rPr>
-              <a:t>. The integrated activity of the </a:t>
+              <a:t>. The DLS provides low-level binge signaling in response to conditioned stimulus. The integrated activity of the </a:t>
             </a:r>
             <a:r>
               <a:rPr lang="en-US" dirty="0" err="1">
@@ -12736,7 +12760,7 @@
             </a:r>
           </a:p>
           <a:p>
-            <a:pPr marL="457200" lvl="0" indent="-457200" algn="l" rtl="0">
+            <a:pPr marL="457200" indent="-457200">
               <a:spcBef>
                 <a:spcPts val="0"/>
               </a:spcBef>
@@ -12772,7 +12796,7 @@
                 <a:cs typeface="Helvetica Neue"/>
                 <a:sym typeface="Helvetica Neue"/>
               </a:rPr>
-              <a:t>:</a:t>
+              <a:t>: Using this model, we replicated front-loading and maintenance phases, as well as population-specific activity</a:t>
             </a:r>
           </a:p>
           <a:p>
@@ -12861,8 +12885,8 @@
         </p:nvSpPr>
         <p:spPr>
           <a:xfrm>
-            <a:off x="22450670" y="20371493"/>
-            <a:ext cx="20100900" cy="2185988"/>
+            <a:off x="22450670" y="20371492"/>
+            <a:ext cx="20100900" cy="3232521"/>
           </a:xfrm>
           <a:prstGeom prst="rect">
             <a:avLst/>
@@ -12936,6 +12960,24 @@
                 <a:sym typeface="Helvetica Neue"/>
               </a:rPr>
               <a:t>, Christopher C. Lapish</a:t>
+            </a:r>
+            <a:r>
+              <a:rPr lang="en-US" sz="3300" baseline="30000" dirty="0">
+                <a:latin typeface="Helvetica Neue"/>
+                <a:ea typeface="Helvetica Neue"/>
+                <a:cs typeface="Helvetica Neue"/>
+                <a:sym typeface="Helvetica Neue"/>
+              </a:rPr>
+              <a:t>3</a:t>
+            </a:r>
+            <a:r>
+              <a:rPr lang="en-US" sz="3300" dirty="0">
+                <a:latin typeface="Helvetica Neue"/>
+                <a:ea typeface="Helvetica Neue"/>
+                <a:cs typeface="Helvetica Neue"/>
+                <a:sym typeface="Helvetica Neue"/>
+              </a:rPr>
+              <a:t>, Woody Hopf</a:t>
             </a:r>
             <a:r>
               <a:rPr lang="en-US" sz="3300" baseline="30000" dirty="0">
@@ -13086,7 +13128,7 @@
                 <a:cs typeface="Helvetica Neue"/>
                 <a:sym typeface="Helvetica Neue"/>
               </a:rPr>
-              <a:t>Addiction Neuroscience Program IUPUI,</a:t>
+              <a:t>Department of Psychology, Indiana University Indianapolis</a:t>
             </a:r>
             <a:endParaRPr sz="2800" dirty="0">
               <a:latin typeface="Helvetica Neue"/>
@@ -13245,8 +13287,8 @@
         </p:blipFill>
         <p:spPr bwMode="auto">
           <a:xfrm>
-            <a:off x="35428801" y="22959369"/>
-            <a:ext cx="6956922" cy="6809431"/>
+            <a:off x="35842189" y="22813069"/>
+            <a:ext cx="6337686" cy="6203323"/>
           </a:xfrm>
           <a:prstGeom prst="rect">
             <a:avLst/>
